--- a/img/attributes_timeliness.pptx
+++ b/img/attributes_timeliness.pptx
@@ -5398,22 +5398,6 @@
           <a:lstStyle/>
           <a:p>
             <a:r>
-              <a:rPr lang="de-DE" sz="3600" dirty="0">
-                <a:ln w="0"/>
-                <a:solidFill>
-                  <a:schemeClr val="accent4"/>
-                </a:solidFill>
-                <a:effectLst>
-                  <a:outerShdw blurRad="38100" dist="25400" dir="5400000" algn="ctr" rotWithShape="0">
-                    <a:srgbClr val="6E747A">
-                      <a:alpha val="43000"/>
-                    </a:srgbClr>
-                  </a:outerShdw>
-                </a:effectLst>
-              </a:rPr>
-              <a:t>Delay </a:t>
-            </a:r>
-            <a:r>
               <a:rPr lang="de-DE" sz="3600" dirty="0" err="1">
                 <a:ln w="0"/>
                 <a:solidFill>
@@ -5427,39 +5411,7 @@
                   </a:outerShdw>
                 </a:effectLst>
               </a:rPr>
-              <a:t>to</a:t>
-            </a:r>
-            <a:r>
-              <a:rPr lang="de-DE" sz="3600" dirty="0">
-                <a:ln w="0"/>
-                <a:solidFill>
-                  <a:schemeClr val="accent4"/>
-                </a:solidFill>
-                <a:effectLst>
-                  <a:outerShdw blurRad="38100" dist="25400" dir="5400000" algn="ctr" rotWithShape="0">
-                    <a:srgbClr val="6E747A">
-                      <a:alpha val="43000"/>
-                    </a:srgbClr>
-                  </a:outerShdw>
-                </a:effectLst>
-              </a:rPr>
-              <a:t> </a:t>
-            </a:r>
-            <a:r>
-              <a:rPr lang="de-DE" sz="3600" dirty="0" err="1">
-                <a:ln w="0"/>
-                <a:solidFill>
-                  <a:schemeClr val="accent4"/>
-                </a:solidFill>
-                <a:effectLst>
-                  <a:outerShdw blurRad="38100" dist="25400" dir="5400000" algn="ctr" rotWithShape="0">
-                    <a:srgbClr val="6E747A">
-                      <a:alpha val="43000"/>
-                    </a:srgbClr>
-                  </a:outerShdw>
-                </a:effectLst>
-              </a:rPr>
-              <a:t>action</a:t>
+              <a:t>Reactivity</a:t>
             </a:r>
             <a:endParaRPr lang="de-DE" sz="3600" dirty="0">
               <a:ln w="0"/>
@@ -5568,9 +5520,9 @@
           <p:nvPr/>
         </p:nvCxnSpPr>
         <p:spPr>
-          <a:xfrm flipV="1">
+          <a:xfrm flipH="1" flipV="1">
             <a:off x="4979924" y="1015390"/>
-            <a:ext cx="0" cy="1255120"/>
+            <a:ext cx="1" cy="1950232"/>
           </a:xfrm>
           <a:prstGeom prst="straightConnector1">
             <a:avLst/>
@@ -5614,8 +5566,8 @@
         </p:nvCxnSpPr>
         <p:spPr>
           <a:xfrm flipV="1">
-            <a:off x="2440495" y="2379236"/>
-            <a:ext cx="2539429" cy="2639806"/>
+            <a:off x="2440495" y="3123530"/>
+            <a:ext cx="0" cy="1895512"/>
           </a:xfrm>
           <a:prstGeom prst="straightConnector1">
             <a:avLst/>

--- a/img/attributes_timeliness.pptx
+++ b/img/attributes_timeliness.pptx
@@ -259,7 +259,7 @@
           <a:p>
             <a:fld id="{FC97C5E2-B45E-4D10-AF88-00182F008B1D}" type="datetimeFigureOut">
               <a:rPr lang="de-DE" smtClean="0"/>
-              <a:t>20.09.2024</a:t>
+              <a:t>25.09.2024</a:t>
             </a:fld>
             <a:endParaRPr lang="de-DE"/>
           </a:p>
@@ -457,7 +457,7 @@
           <a:p>
             <a:fld id="{FC97C5E2-B45E-4D10-AF88-00182F008B1D}" type="datetimeFigureOut">
               <a:rPr lang="de-DE" smtClean="0"/>
-              <a:t>20.09.2024</a:t>
+              <a:t>25.09.2024</a:t>
             </a:fld>
             <a:endParaRPr lang="de-DE"/>
           </a:p>
@@ -665,7 +665,7 @@
           <a:p>
             <a:fld id="{FC97C5E2-B45E-4D10-AF88-00182F008B1D}" type="datetimeFigureOut">
               <a:rPr lang="de-DE" smtClean="0"/>
-              <a:t>20.09.2024</a:t>
+              <a:t>25.09.2024</a:t>
             </a:fld>
             <a:endParaRPr lang="de-DE"/>
           </a:p>
@@ -863,7 +863,7 @@
           <a:p>
             <a:fld id="{FC97C5E2-B45E-4D10-AF88-00182F008B1D}" type="datetimeFigureOut">
               <a:rPr lang="de-DE" smtClean="0"/>
-              <a:t>20.09.2024</a:t>
+              <a:t>25.09.2024</a:t>
             </a:fld>
             <a:endParaRPr lang="de-DE"/>
           </a:p>
@@ -1138,7 +1138,7 @@
           <a:p>
             <a:fld id="{FC97C5E2-B45E-4D10-AF88-00182F008B1D}" type="datetimeFigureOut">
               <a:rPr lang="de-DE" smtClean="0"/>
-              <a:t>20.09.2024</a:t>
+              <a:t>25.09.2024</a:t>
             </a:fld>
             <a:endParaRPr lang="de-DE"/>
           </a:p>
@@ -1403,7 +1403,7 @@
           <a:p>
             <a:fld id="{FC97C5E2-B45E-4D10-AF88-00182F008B1D}" type="datetimeFigureOut">
               <a:rPr lang="de-DE" smtClean="0"/>
-              <a:t>20.09.2024</a:t>
+              <a:t>25.09.2024</a:t>
             </a:fld>
             <a:endParaRPr lang="de-DE"/>
           </a:p>
@@ -1815,7 +1815,7 @@
           <a:p>
             <a:fld id="{FC97C5E2-B45E-4D10-AF88-00182F008B1D}" type="datetimeFigureOut">
               <a:rPr lang="de-DE" smtClean="0"/>
-              <a:t>20.09.2024</a:t>
+              <a:t>25.09.2024</a:t>
             </a:fld>
             <a:endParaRPr lang="de-DE"/>
           </a:p>
@@ -1956,7 +1956,7 @@
           <a:p>
             <a:fld id="{FC97C5E2-B45E-4D10-AF88-00182F008B1D}" type="datetimeFigureOut">
               <a:rPr lang="de-DE" smtClean="0"/>
-              <a:t>20.09.2024</a:t>
+              <a:t>25.09.2024</a:t>
             </a:fld>
             <a:endParaRPr lang="de-DE"/>
           </a:p>
@@ -2069,7 +2069,7 @@
           <a:p>
             <a:fld id="{FC97C5E2-B45E-4D10-AF88-00182F008B1D}" type="datetimeFigureOut">
               <a:rPr lang="de-DE" smtClean="0"/>
-              <a:t>20.09.2024</a:t>
+              <a:t>25.09.2024</a:t>
             </a:fld>
             <a:endParaRPr lang="de-DE"/>
           </a:p>
@@ -2380,7 +2380,7 @@
           <a:p>
             <a:fld id="{FC97C5E2-B45E-4D10-AF88-00182F008B1D}" type="datetimeFigureOut">
               <a:rPr lang="de-DE" smtClean="0"/>
-              <a:t>20.09.2024</a:t>
+              <a:t>25.09.2024</a:t>
             </a:fld>
             <a:endParaRPr lang="de-DE"/>
           </a:p>
@@ -2668,7 +2668,7 @@
           <a:p>
             <a:fld id="{FC97C5E2-B45E-4D10-AF88-00182F008B1D}" type="datetimeFigureOut">
               <a:rPr lang="de-DE" smtClean="0"/>
-              <a:t>20.09.2024</a:t>
+              <a:t>25.09.2024</a:t>
             </a:fld>
             <a:endParaRPr lang="de-DE"/>
           </a:p>
@@ -2909,7 +2909,7 @@
           <a:p>
             <a:fld id="{FC97C5E2-B45E-4D10-AF88-00182F008B1D}" type="datetimeFigureOut">
               <a:rPr lang="de-DE" smtClean="0"/>
-              <a:t>20.09.2024</a:t>
+              <a:t>25.09.2024</a:t>
             </a:fld>
             <a:endParaRPr lang="de-DE"/>
           </a:p>
@@ -3384,7 +3384,7 @@
                   </a:schemeClr>
                 </a:solidFill>
               </a:rPr>
-              <a:t>Exposure</a:t>
+              <a:t>Infection</a:t>
             </a:r>
             <a:endParaRPr lang="de-DE" dirty="0">
               <a:solidFill>
@@ -5291,7 +5291,7 @@
         </p:nvSpPr>
         <p:spPr>
           <a:xfrm>
-            <a:off x="8209288" y="1923201"/>
+            <a:off x="8135638" y="1356177"/>
             <a:ext cx="2978434" cy="1200329"/>
           </a:xfrm>
           <a:prstGeom prst="rect">
@@ -5383,7 +5383,7 @@
         </p:nvSpPr>
         <p:spPr>
           <a:xfrm>
-            <a:off x="8235125" y="4460598"/>
+            <a:off x="8135638" y="5106929"/>
             <a:ext cx="3125734" cy="646331"/>
           </a:xfrm>
           <a:prstGeom prst="rect">
@@ -5443,8 +5443,8 @@
         </p:nvSpPr>
         <p:spPr>
           <a:xfrm>
-            <a:off x="8188638" y="3490387"/>
-            <a:ext cx="3125734" cy="646331"/>
+            <a:off x="8135638" y="2593676"/>
+            <a:ext cx="3125734" cy="1200329"/>
           </a:xfrm>
           <a:prstGeom prst="rect">
             <a:avLst/>
@@ -5473,6 +5473,8 @@
               </a:rPr>
               <a:t>Reporting </a:t>
             </a:r>
+          </a:p>
+          <a:p>
             <a:r>
               <a:rPr lang="de-DE" sz="3600" dirty="0" err="1">
                 <a:ln w="0"/>
@@ -5520,9 +5522,9 @@
           <p:nvPr/>
         </p:nvCxnSpPr>
         <p:spPr>
-          <a:xfrm flipH="1" flipV="1">
-            <a:off x="4979924" y="1015390"/>
-            <a:ext cx="1" cy="1950232"/>
+          <a:xfrm flipV="1">
+            <a:off x="4979925" y="1015390"/>
+            <a:ext cx="0" cy="1363846"/>
           </a:xfrm>
           <a:prstGeom prst="straightConnector1">
             <a:avLst/>
@@ -5608,8 +5610,8 @@
         </p:nvCxnSpPr>
         <p:spPr>
           <a:xfrm flipV="1">
-            <a:off x="2938517" y="1696270"/>
-            <a:ext cx="4063645" cy="4043313"/>
+            <a:off x="3466327" y="2379236"/>
+            <a:ext cx="3436349" cy="4046279"/>
           </a:xfrm>
           <a:prstGeom prst="straightConnector1">
             <a:avLst/>
@@ -5619,6 +5621,261 @@
               <a:schemeClr val="accent4"/>
             </a:solidFill>
             <a:headEnd type="triangle"/>
+            <a:tailEnd type="triangle"/>
+          </a:ln>
+        </p:spPr>
+        <p:style>
+          <a:lnRef idx="1">
+            <a:schemeClr val="accent1"/>
+          </a:lnRef>
+          <a:fillRef idx="0">
+            <a:schemeClr val="accent1"/>
+          </a:fillRef>
+          <a:effectRef idx="0">
+            <a:schemeClr val="accent1"/>
+          </a:effectRef>
+          <a:fontRef idx="minor">
+            <a:schemeClr val="tx1"/>
+          </a:fontRef>
+        </p:style>
+      </p:cxnSp>
+      <p:sp>
+        <p:nvSpPr>
+          <p:cNvPr id="41" name="Textfeld 40">
+            <a:extLst>
+              <a:ext uri="{FF2B5EF4-FFF2-40B4-BE49-F238E27FC236}">
+                <a16:creationId xmlns:a16="http://schemas.microsoft.com/office/drawing/2014/main" id="{C3A06A67-0E73-48A9-93FB-5CFC32331491}"/>
+              </a:ext>
+            </a:extLst>
+          </p:cNvPr>
+          <p:cNvSpPr txBox="1"/>
+          <p:nvPr/>
+        </p:nvSpPr>
+        <p:spPr>
+          <a:xfrm>
+            <a:off x="8135638" y="3773349"/>
+            <a:ext cx="3125734" cy="1200329"/>
+          </a:xfrm>
+          <a:prstGeom prst="rect">
+            <a:avLst/>
+          </a:prstGeom>
+          <a:noFill/>
+        </p:spPr>
+        <p:txBody>
+          <a:bodyPr wrap="square" rtlCol="0">
+            <a:spAutoFit/>
+          </a:bodyPr>
+          <a:lstStyle/>
+          <a:p>
+            <a:r>
+              <a:rPr lang="de-DE" sz="3600" dirty="0" err="1">
+                <a:ln w="0"/>
+                <a:solidFill>
+                  <a:schemeClr val="accent2"/>
+                </a:solidFill>
+                <a:effectLst>
+                  <a:outerShdw blurRad="38100" dist="25400" dir="5400000" algn="ctr" rotWithShape="0">
+                    <a:srgbClr val="6E747A">
+                      <a:alpha val="43000"/>
+                    </a:srgbClr>
+                  </a:outerShdw>
+                </a:effectLst>
+              </a:rPr>
+              <a:t>Notification</a:t>
+            </a:r>
+            <a:r>
+              <a:rPr lang="de-DE" sz="3600" dirty="0">
+                <a:ln w="0"/>
+                <a:solidFill>
+                  <a:schemeClr val="accent2"/>
+                </a:solidFill>
+                <a:effectLst>
+                  <a:outerShdw blurRad="38100" dist="25400" dir="5400000" algn="ctr" rotWithShape="0">
+                    <a:srgbClr val="6E747A">
+                      <a:alpha val="43000"/>
+                    </a:srgbClr>
+                  </a:outerShdw>
+                </a:effectLst>
+              </a:rPr>
+              <a:t> </a:t>
+            </a:r>
+            <a:r>
+              <a:rPr lang="de-DE" sz="3600" dirty="0" err="1">
+                <a:ln w="0"/>
+                <a:solidFill>
+                  <a:schemeClr val="accent2"/>
+                </a:solidFill>
+                <a:effectLst>
+                  <a:outerShdw blurRad="38100" dist="25400" dir="5400000" algn="ctr" rotWithShape="0">
+                    <a:srgbClr val="6E747A">
+                      <a:alpha val="43000"/>
+                    </a:srgbClr>
+                  </a:outerShdw>
+                </a:effectLst>
+              </a:rPr>
+              <a:t>delay</a:t>
+            </a:r>
+            <a:endParaRPr lang="de-DE" sz="3600" dirty="0">
+              <a:ln w="0"/>
+              <a:solidFill>
+                <a:schemeClr val="accent2"/>
+              </a:solidFill>
+              <a:effectLst>
+                <a:outerShdw blurRad="38100" dist="25400" dir="5400000" algn="ctr" rotWithShape="0">
+                  <a:srgbClr val="6E747A">
+                    <a:alpha val="43000"/>
+                  </a:srgbClr>
+                </a:outerShdw>
+              </a:effectLst>
+            </a:endParaRPr>
+          </a:p>
+        </p:txBody>
+      </p:sp>
+      <p:cxnSp>
+        <p:nvCxnSpPr>
+          <p:cNvPr id="42" name="Gerade Verbindung mit Pfeil 41">
+            <a:extLst>
+              <a:ext uri="{FF2B5EF4-FFF2-40B4-BE49-F238E27FC236}">
+                <a16:creationId xmlns:a16="http://schemas.microsoft.com/office/drawing/2014/main" id="{BB0628A6-D728-47B4-BE7B-CF93E0E70D4F}"/>
+              </a:ext>
+            </a:extLst>
+          </p:cNvPr>
+          <p:cNvCxnSpPr>
+            <a:cxnSpLocks/>
+          </p:cNvCxnSpPr>
+          <p:nvPr/>
+        </p:nvCxnSpPr>
+        <p:spPr>
+          <a:xfrm flipV="1">
+            <a:off x="4596866" y="2379236"/>
+            <a:ext cx="0" cy="826052"/>
+          </a:xfrm>
+          <a:prstGeom prst="straightConnector1">
+            <a:avLst/>
+          </a:prstGeom>
+          <a:ln w="76200">
+            <a:solidFill>
+              <a:schemeClr val="accent2"/>
+            </a:solidFill>
+            <a:headEnd type="triangle"/>
+            <a:tailEnd type="triangle"/>
+          </a:ln>
+        </p:spPr>
+        <p:style>
+          <a:lnRef idx="1">
+            <a:schemeClr val="accent1"/>
+          </a:lnRef>
+          <a:fillRef idx="0">
+            <a:schemeClr val="accent1"/>
+          </a:fillRef>
+          <a:effectRef idx="0">
+            <a:schemeClr val="accent1"/>
+          </a:effectRef>
+          <a:fontRef idx="minor">
+            <a:schemeClr val="tx1"/>
+          </a:fontRef>
+        </p:style>
+      </p:cxnSp>
+      <p:sp>
+        <p:nvSpPr>
+          <p:cNvPr id="43" name="Rechteck: abgerundete Ecken 42">
+            <a:extLst>
+              <a:ext uri="{FF2B5EF4-FFF2-40B4-BE49-F238E27FC236}">
+                <a16:creationId xmlns:a16="http://schemas.microsoft.com/office/drawing/2014/main" id="{97F7CEDB-EC5B-4E63-AE01-B3A4CF1A0213}"/>
+              </a:ext>
+            </a:extLst>
+          </p:cNvPr>
+          <p:cNvSpPr/>
+          <p:nvPr/>
+        </p:nvSpPr>
+        <p:spPr>
+          <a:xfrm>
+            <a:off x="2047860" y="6243583"/>
+            <a:ext cx="1625597" cy="504000"/>
+          </a:xfrm>
+          <a:prstGeom prst="roundRect">
+            <a:avLst/>
+          </a:prstGeom>
+          <a:noFill/>
+          <a:ln>
+            <a:solidFill>
+              <a:schemeClr val="bg1">
+                <a:lumMod val="65000"/>
+              </a:schemeClr>
+            </a:solidFill>
+          </a:ln>
+        </p:spPr>
+        <p:style>
+          <a:lnRef idx="2">
+            <a:schemeClr val="accent1">
+              <a:shade val="50000"/>
+            </a:schemeClr>
+          </a:lnRef>
+          <a:fillRef idx="1">
+            <a:schemeClr val="accent1"/>
+          </a:fillRef>
+          <a:effectRef idx="0">
+            <a:schemeClr val="accent1"/>
+          </a:effectRef>
+          <a:fontRef idx="minor">
+            <a:schemeClr val="lt1"/>
+          </a:fontRef>
+        </p:style>
+        <p:txBody>
+          <a:bodyPr rtlCol="0" anchor="ctr"/>
+          <a:lstStyle/>
+          <a:p>
+            <a:pPr algn="ctr"/>
+            <a:r>
+              <a:rPr lang="de-DE" dirty="0" err="1">
+                <a:solidFill>
+                  <a:schemeClr val="bg1">
+                    <a:lumMod val="65000"/>
+                  </a:schemeClr>
+                </a:solidFill>
+              </a:rPr>
+              <a:t>Exposure</a:t>
+            </a:r>
+            <a:endParaRPr lang="de-DE" dirty="0">
+              <a:solidFill>
+                <a:schemeClr val="bg1">
+                  <a:lumMod val="65000"/>
+                </a:schemeClr>
+              </a:solidFill>
+            </a:endParaRPr>
+          </a:p>
+        </p:txBody>
+      </p:sp>
+      <p:cxnSp>
+        <p:nvCxnSpPr>
+          <p:cNvPr id="44" name="Gerade Verbindung mit Pfeil 43">
+            <a:extLst>
+              <a:ext uri="{FF2B5EF4-FFF2-40B4-BE49-F238E27FC236}">
+                <a16:creationId xmlns:a16="http://schemas.microsoft.com/office/drawing/2014/main" id="{ECCFA438-A737-4FEB-9205-EB8CAB31D2D4}"/>
+              </a:ext>
+            </a:extLst>
+          </p:cNvPr>
+          <p:cNvCxnSpPr>
+            <a:cxnSpLocks/>
+            <a:stCxn id="43" idx="0"/>
+            <a:endCxn id="4" idx="2"/>
+          </p:cNvCxnSpPr>
+          <p:nvPr/>
+        </p:nvCxnSpPr>
+        <p:spPr>
+          <a:xfrm flipV="1">
+            <a:off x="2860659" y="6041200"/>
+            <a:ext cx="1" cy="202383"/>
+          </a:xfrm>
+          <a:prstGeom prst="straightConnector1">
+            <a:avLst/>
+          </a:prstGeom>
+          <a:ln w="38100">
+            <a:solidFill>
+              <a:schemeClr val="bg1">
+                <a:lumMod val="65000"/>
+              </a:schemeClr>
+            </a:solidFill>
             <a:tailEnd type="triangle"/>
           </a:ln>
         </p:spPr>
